--- a/Project/Game_Database_Project.pptx
+++ b/Project/Game_Database_Project.pptx
@@ -115,6 +115,11 @@
       </a:defRPr>
     </a:lvl9pPr>
   </p:defaultTextStyle>
+  <p:extLst>
+    <p:ext uri="{EFAFB233-063F-42B5-8137-9DF3F51BA10A}">
+      <p15:sldGuideLst xmlns:p15="http://schemas.microsoft.com/office/powerpoint/2012/main"/>
+    </p:ext>
+  </p:extLst>
 </p:presentation>
 </file>
 
@@ -7725,7 +7730,15 @@
           <a:p>
             <a:r>
               <a:rPr lang="en-US" sz="2400" dirty="0"/>
-              <a:t>Group 8</a:t>
+              <a:t>Team name: </a:t>
+            </a:r>
+            <a:r>
+              <a:rPr lang="en-US" sz="2400" dirty="0" err="1"/>
+              <a:t>Gamerpedia</a:t>
+            </a:r>
+            <a:r>
+              <a:rPr lang="en-US" sz="2400" dirty="0"/>
+              <a:t> Group 8</a:t>
             </a:r>
           </a:p>
           <a:p>
@@ -7761,6 +7774,36 @@
           </a:p>
         </p:txBody>
       </p:sp>
+      <p:pic>
+        <p:nvPicPr>
+          <p:cNvPr id="5" name="Picture 4">
+            <a:extLst>
+              <a:ext uri="{FF2B5EF4-FFF2-40B4-BE49-F238E27FC236}">
+                <a16:creationId xmlns:a16="http://schemas.microsoft.com/office/drawing/2014/main" id="{4BEE8484-576A-44D9-A911-1CDCE28F76D7}"/>
+              </a:ext>
+            </a:extLst>
+          </p:cNvPr>
+          <p:cNvPicPr>
+            <a:picLocks noChangeAspect="1"/>
+          </p:cNvPicPr>
+          <p:nvPr/>
+        </p:nvPicPr>
+        <p:blipFill>
+          <a:blip r:embed="rId2"/>
+          <a:stretch>
+            <a:fillRect/>
+          </a:stretch>
+        </p:blipFill>
+        <p:spPr>
+          <a:xfrm>
+            <a:off x="915100" y="4500191"/>
+            <a:ext cx="2543175" cy="1800225"/>
+          </a:xfrm>
+          <a:prstGeom prst="rect">
+            <a:avLst/>
+          </a:prstGeom>
+        </p:spPr>
+      </p:pic>
     </p:spTree>
     <p:extLst>
       <p:ext uri="{BB962C8B-B14F-4D97-AF65-F5344CB8AC3E}">
@@ -8188,13 +8231,13 @@
           <a:p>
             <a:r>
               <a:rPr lang="en-US" dirty="0"/>
-              <a:t>In the future, we wanted a web app that made the database look prettier </a:t>
+              <a:t>In the future, we wanted a web app that made the database look more professional </a:t>
             </a:r>
           </a:p>
           <a:p>
             <a:r>
               <a:rPr lang="en-US" dirty="0"/>
-              <a:t>This would include a small subscription – directed towards the upkeep of the database. </a:t>
+              <a:t>This would include a small subscription – directed towards the premium of the database. </a:t>
             </a:r>
           </a:p>
           <a:p>
@@ -8283,23 +8326,23 @@
           <a:p>
             <a:r>
               <a:rPr lang="en-US" dirty="0"/>
-              <a:t>Our database team is geared to provide expansive information to the end-user at a small cost. </a:t>
+              <a:t>Our database team is driven to provide expansive information to the end-user at a small cost fee. </a:t>
             </a:r>
           </a:p>
           <a:p>
             <a:r>
               <a:rPr lang="en-US" dirty="0"/>
-              <a:t>We understand the meaning of reading/studying all the information about a game before it becomes released </a:t>
+              <a:t>We understand the logistics of reading/studying all the information about a game before it pre-releases </a:t>
             </a:r>
           </a:p>
           <a:p>
             <a:r>
               <a:rPr lang="en-US" dirty="0"/>
-              <a:t>This includes after the fact; This includes information about certain sound tracks, publishers, developers, </a:t>
+              <a:t>The database vaults; This includes information about original sound tracks, publishers, developers, </a:t>
             </a:r>
             <a:r>
               <a:rPr lang="en-US" dirty="0" err="1"/>
-              <a:t>etc</a:t>
+              <a:t>Etc</a:t>
             </a:r>
             <a:r>
               <a:rPr lang="en-US" dirty="0"/>
@@ -8309,7 +8352,7 @@
           <a:p>
             <a:r>
               <a:rPr lang="en-US" dirty="0"/>
-              <a:t>Creating a central hub allows ease of access to all those looking to read up on certain video games. </a:t>
+              <a:t>Developing a central hub that allows access to all users researching particular video games. </a:t>
             </a:r>
           </a:p>
         </p:txBody>
@@ -8904,10 +8947,10 @@
       </p:pic>
       <p:sp>
         <p:nvSpPr>
-          <p:cNvPr id="10" name="Content Placeholder 9">
+          <p:cNvPr id="6" name="Content Placeholder 5">
             <a:extLst>
               <a:ext uri="{FF2B5EF4-FFF2-40B4-BE49-F238E27FC236}">
-                <a16:creationId xmlns:a16="http://schemas.microsoft.com/office/drawing/2014/main" id="{0CFE66C5-4F6B-4826-B97C-C8A1336758CA}"/>
+                <a16:creationId xmlns:a16="http://schemas.microsoft.com/office/drawing/2014/main" id="{EE918146-8E9F-4F09-B4E5-5C679901BD78}"/>
               </a:ext>
             </a:extLst>
           </p:cNvPr>
@@ -8918,19 +8961,12 @@
             <p:ph idx="1"/>
           </p:nvPr>
         </p:nvSpPr>
-        <p:spPr>
-          <a:xfrm>
-            <a:off x="680322" y="2336873"/>
-            <a:ext cx="3581635" cy="3599316"/>
-          </a:xfrm>
-        </p:spPr>
-        <p:txBody>
-          <a:bodyPr>
-            <a:normAutofit/>
-          </a:bodyPr>
+        <p:spPr/>
+        <p:txBody>
+          <a:bodyPr/>
           <a:lstStyle/>
           <a:p>
-            <a:endParaRPr lang="en-US" sz="1600" dirty="0"/>
+            <a:endParaRPr lang="en-US"/>
           </a:p>
         </p:txBody>
       </p:sp>
@@ -9234,6 +9270,36 @@
           </a:p>
         </p:txBody>
       </p:sp>
+      <p:pic>
+        <p:nvPicPr>
+          <p:cNvPr id="5" name="Picture 4">
+            <a:extLst>
+              <a:ext uri="{FF2B5EF4-FFF2-40B4-BE49-F238E27FC236}">
+                <a16:creationId xmlns:a16="http://schemas.microsoft.com/office/drawing/2014/main" id="{C9353BDB-24D7-4C5E-B2C3-B24C026EE82B}"/>
+              </a:ext>
+            </a:extLst>
+          </p:cNvPr>
+          <p:cNvPicPr>
+            <a:picLocks noChangeAspect="1"/>
+          </p:cNvPicPr>
+          <p:nvPr/>
+        </p:nvPicPr>
+        <p:blipFill>
+          <a:blip r:embed="rId2"/>
+          <a:stretch>
+            <a:fillRect/>
+          </a:stretch>
+        </p:blipFill>
+        <p:spPr>
+          <a:xfrm>
+            <a:off x="6619631" y="3429000"/>
+            <a:ext cx="2543175" cy="1800225"/>
+          </a:xfrm>
+          <a:prstGeom prst="rect">
+            <a:avLst/>
+          </a:prstGeom>
+        </p:spPr>
+      </p:pic>
     </p:spTree>
     <p:extLst>
       <p:ext uri="{BB962C8B-B14F-4D97-AF65-F5344CB8AC3E}">
@@ -9664,42 +9730,6 @@
           </a:prstGeom>
         </p:spPr>
       </p:pic>
-      <p:sp>
-        <p:nvSpPr>
-          <p:cNvPr id="10" name="Content Placeholder 9">
-            <a:extLst>
-              <a:ext uri="{FF2B5EF4-FFF2-40B4-BE49-F238E27FC236}">
-                <a16:creationId xmlns:a16="http://schemas.microsoft.com/office/drawing/2014/main" id="{B21B31F9-F064-49AE-9B15-60057BC49374}"/>
-              </a:ext>
-            </a:extLst>
-          </p:cNvPr>
-          <p:cNvSpPr>
-            <a:spLocks noGrp="1"/>
-          </p:cNvSpPr>
-          <p:nvPr>
-            <p:ph idx="1"/>
-          </p:nvPr>
-        </p:nvSpPr>
-        <p:spPr>
-          <a:xfrm>
-            <a:off x="680321" y="2336873"/>
-            <a:ext cx="3656289" cy="3599316"/>
-          </a:xfrm>
-        </p:spPr>
-        <p:txBody>
-          <a:bodyPr>
-            <a:normAutofit/>
-          </a:bodyPr>
-          <a:lstStyle/>
-          <a:p>
-            <a:endParaRPr lang="en-US" sz="1400">
-              <a:solidFill>
-                <a:srgbClr val="FFFFFF"/>
-              </a:solidFill>
-            </a:endParaRPr>
-          </a:p>
-        </p:txBody>
-      </p:sp>
       <p:sp useBgFill="1">
         <p:nvSpPr>
           <p:cNvPr id="23" name="Rectangle 22">
@@ -9801,6 +9831,31 @@
           <a:effectLst/>
         </p:spPr>
       </p:pic>
+      <p:sp>
+        <p:nvSpPr>
+          <p:cNvPr id="6" name="Content Placeholder 5">
+            <a:extLst>
+              <a:ext uri="{FF2B5EF4-FFF2-40B4-BE49-F238E27FC236}">
+                <a16:creationId xmlns:a16="http://schemas.microsoft.com/office/drawing/2014/main" id="{F521FC3B-8824-49A5-8049-98982A012125}"/>
+              </a:ext>
+            </a:extLst>
+          </p:cNvPr>
+          <p:cNvSpPr>
+            <a:spLocks noGrp="1"/>
+          </p:cNvSpPr>
+          <p:nvPr>
+            <p:ph idx="1"/>
+          </p:nvPr>
+        </p:nvSpPr>
+        <p:spPr/>
+        <p:txBody>
+          <a:bodyPr/>
+          <a:lstStyle/>
+          <a:p>
+            <a:endParaRPr lang="en-US"/>
+          </a:p>
+        </p:txBody>
+      </p:sp>
     </p:spTree>
     <p:extLst>
       <p:ext uri="{BB962C8B-B14F-4D97-AF65-F5344CB8AC3E}">
